--- a/5_seminar/contents_part_II/slides/slides_II_2.pptx
+++ b/5_seminar/contents_part_II/slides/slides_II_2.pptx
@@ -217,7 +217,7 @@
           <a:p>
             <a:fld id="{7A5B87F2-13FD-4A24-9F19-39B31C60B536}" type="datetimeFigureOut">
               <a:rPr lang="en-US" smtClean="0"/>
-              <a:t>4/28/2021</a:t>
+              <a:t>5/17/2021</a:t>
             </a:fld>
             <a:endParaRPr lang="en-US"/>
           </a:p>
@@ -2013,7 +2013,7 @@
           <a:p>
             <a:fld id="{5A1811BA-6AD9-41A7-B7A2-456C8523519C}" type="datetime1">
               <a:rPr lang="en-US" smtClean="0"/>
-              <a:t>4/28/2021</a:t>
+              <a:t>5/17/2021</a:t>
             </a:fld>
             <a:endParaRPr lang="en-US"/>
           </a:p>
@@ -2183,7 +2183,7 @@
           <a:p>
             <a:fld id="{B0494441-C196-4BB0-93EE-AF22360207AB}" type="datetime1">
               <a:rPr lang="en-US" smtClean="0"/>
-              <a:t>4/28/2021</a:t>
+              <a:t>5/17/2021</a:t>
             </a:fld>
             <a:endParaRPr lang="en-US"/>
           </a:p>
@@ -2363,7 +2363,7 @@
           <a:p>
             <a:fld id="{D7B9282B-C3CE-4F56-8DD1-5349F982F1D2}" type="datetime1">
               <a:rPr lang="en-US" smtClean="0"/>
-              <a:t>4/28/2021</a:t>
+              <a:t>5/17/2021</a:t>
             </a:fld>
             <a:endParaRPr lang="en-US"/>
           </a:p>
@@ -2533,7 +2533,7 @@
           <a:p>
             <a:fld id="{E6E86D6A-786F-4E85-AF3B-385015383ABA}" type="datetime1">
               <a:rPr lang="en-US" smtClean="0"/>
-              <a:t>4/28/2021</a:t>
+              <a:t>5/17/2021</a:t>
             </a:fld>
             <a:endParaRPr lang="en-US"/>
           </a:p>
@@ -2779,7 +2779,7 @@
           <a:p>
             <a:fld id="{051FFEB0-9C80-4A34-A5C7-72D52D52FC7D}" type="datetime1">
               <a:rPr lang="en-US" smtClean="0"/>
-              <a:t>4/28/2021</a:t>
+              <a:t>5/17/2021</a:t>
             </a:fld>
             <a:endParaRPr lang="en-US"/>
           </a:p>
@@ -3011,7 +3011,7 @@
           <a:p>
             <a:fld id="{084267AD-C299-471B-ABA1-D0EA94C7EDCF}" type="datetime1">
               <a:rPr lang="en-US" smtClean="0"/>
-              <a:t>4/28/2021</a:t>
+              <a:t>5/17/2021</a:t>
             </a:fld>
             <a:endParaRPr lang="en-US"/>
           </a:p>
@@ -3378,7 +3378,7 @@
           <a:p>
             <a:fld id="{6468DBC7-10F8-46A1-8CE1-DBB0A6F0EF3E}" type="datetime1">
               <a:rPr lang="en-US" smtClean="0"/>
-              <a:t>4/28/2021</a:t>
+              <a:t>5/17/2021</a:t>
             </a:fld>
             <a:endParaRPr lang="en-US"/>
           </a:p>
@@ -3496,7 +3496,7 @@
           <a:p>
             <a:fld id="{0A97ED80-8DDA-43A7-A78F-B0542D691D0E}" type="datetime1">
               <a:rPr lang="en-US" smtClean="0"/>
-              <a:t>4/28/2021</a:t>
+              <a:t>5/17/2021</a:t>
             </a:fld>
             <a:endParaRPr lang="en-US"/>
           </a:p>
@@ -3591,7 +3591,7 @@
           <a:p>
             <a:fld id="{0AF827E6-45BA-40D2-98F2-BE4FFF095577}" type="datetime1">
               <a:rPr lang="en-US" smtClean="0"/>
-              <a:t>4/28/2021</a:t>
+              <a:t>5/17/2021</a:t>
             </a:fld>
             <a:endParaRPr lang="en-US"/>
           </a:p>
@@ -3868,7 +3868,7 @@
           <a:p>
             <a:fld id="{42BD114C-22EA-4B1A-A45B-ED6465C7BB4E}" type="datetime1">
               <a:rPr lang="en-US" smtClean="0"/>
-              <a:t>4/28/2021</a:t>
+              <a:t>5/17/2021</a:t>
             </a:fld>
             <a:endParaRPr lang="en-US"/>
           </a:p>
@@ -4121,7 +4121,7 @@
           <a:p>
             <a:fld id="{F46F8903-38BE-4FD8-98FC-E4EF771B2D8C}" type="datetime1">
               <a:rPr lang="en-US" smtClean="0"/>
-              <a:t>4/28/2021</a:t>
+              <a:t>5/17/2021</a:t>
             </a:fld>
             <a:endParaRPr lang="en-US"/>
           </a:p>
@@ -4334,7 +4334,7 @@
           <a:p>
             <a:fld id="{A91AC8C7-9CA9-4E83-8CE3-AD3BE4150B39}" type="datetime1">
               <a:rPr lang="en-US" smtClean="0"/>
-              <a:t>4/28/2021</a:t>
+              <a:t>5/17/2021</a:t>
             </a:fld>
             <a:endParaRPr lang="en-US"/>
           </a:p>
@@ -9426,15 +9426,7 @@
             <a:pPr lvl="1"/>
             <a:r>
               <a:rPr lang="en-US"/>
-              <a:t>In fact, a topic is just a </a:t>
-            </a:r>
-            <a:r>
-              <a:rPr lang="en-US" b="1"/>
-              <a:t>probability distribution </a:t>
-            </a:r>
-            <a:r>
-              <a:rPr lang="en-US"/>
-              <a:t>over a fixed vocabulary.</a:t>
+              <a:t>Topics are semantic clusters that are characterized by the probability of occurrence of associated words and with which documents can be associated to an extent determined by the words contained.</a:t>
             </a:r>
           </a:p>
         </p:txBody>
